--- a/Lesson_5/Строки и их методы.pptx
+++ b/Lesson_5/Строки и их методы.pptx
@@ -4347,7 +4347,7 @@
         </p:blipFill>
         <p:spPr>
           <a:xfrm>
-            <a:off x="822787" y="4563305"/>
+            <a:off x="822787" y="4581061"/>
             <a:ext cx="3737122" cy="1433169"/>
           </a:xfrm>
           <a:prstGeom prst="rect">
@@ -11186,7 +11186,7 @@
         </p:blipFill>
         <p:spPr>
           <a:xfrm>
-            <a:off x="602325" y="1707988"/>
+            <a:off x="602325" y="1717513"/>
             <a:ext cx="5313283" cy="4565974"/>
           </a:xfrm>
           <a:prstGeom prst="rect">
@@ -11387,7 +11387,7 @@
         </p:blipFill>
         <p:spPr>
           <a:xfrm>
-            <a:off x="6666593" y="4727365"/>
+            <a:off x="6666593" y="3774865"/>
             <a:ext cx="3715268" cy="1552792"/>
           </a:xfrm>
           <a:prstGeom prst="rect">
@@ -16041,7 +16041,7 @@
         </p:nvSpPr>
         <p:spPr>
           <a:xfrm>
-            <a:off x="1927767" y="2723760"/>
+            <a:off x="1927768" y="2723760"/>
             <a:ext cx="8336457" cy="400110"/>
           </a:xfrm>
           <a:prstGeom prst="rect">
@@ -16534,14 +16534,22 @@
                     <a:lstStyle/>
                     <a:p>
                       <a:r>
-                        <a:rPr lang="en-US" sz="2000" kern="1200">
+                        <a:rPr lang="en-US" sz="2000" kern="1200" dirty="0" err="1">
                           <a:solidFill>
                             <a:schemeClr val="dk1"/>
                           </a:solidFill>
                         </a:rPr>
-                        <a:t>S.isalpha()</a:t>
-                      </a:r>
-                      <a:endParaRPr lang="en-US" sz="2000" kern="1200">
+                        <a:t>S.isalpha</a:t>
+                      </a:r>
+                      <a:r>
+                        <a:rPr lang="en-US" sz="2000" kern="1200" dirty="0">
+                          <a:solidFill>
+                            <a:schemeClr val="dk1"/>
+                          </a:solidFill>
+                        </a:rPr>
+                        <a:t>()</a:t>
+                      </a:r>
+                      <a:endParaRPr lang="en-US" sz="2000" kern="1200" dirty="0">
                         <a:solidFill>
                           <a:schemeClr val="dk1"/>
                         </a:solidFill>
@@ -17498,7 +17506,7 @@
         </p:blipFill>
         <p:spPr>
           <a:xfrm>
-            <a:off x="654213" y="2973206"/>
+            <a:off x="654213" y="2982084"/>
             <a:ext cx="3932678" cy="1594328"/>
           </a:xfrm>
           <a:prstGeom prst="rect">
